--- a/lessons_I/9-11/les_12/les_12_recursion.pptx
+++ b/lessons_I/9-11/les_12/les_12_recursion.pptx
@@ -7,7 +7,7 @@
     <p:sldMasterId id="2147483674" r:id="rId3"/>
   </p:sldMasterIdLst>
   <p:notesMasterIdLst>
-    <p:notesMasterId r:id="rId23"/>
+    <p:notesMasterId r:id="rId22"/>
   </p:notesMasterIdLst>
   <p:sldIdLst>
     <p:sldId id="256" r:id="rId4"/>
@@ -25,10 +25,9 @@
     <p:sldId id="263" r:id="rId16"/>
     <p:sldId id="272" r:id="rId17"/>
     <p:sldId id="273" r:id="rId18"/>
-    <p:sldId id="274" r:id="rId19"/>
-    <p:sldId id="264" r:id="rId20"/>
-    <p:sldId id="265" r:id="rId21"/>
-    <p:sldId id="266" r:id="rId22"/>
+    <p:sldId id="264" r:id="rId19"/>
+    <p:sldId id="265" r:id="rId20"/>
+    <p:sldId id="266" r:id="rId21"/>
   </p:sldIdLst>
   <p:sldSz cx="9144000" cy="6858000" type="screen4x3"/>
   <p:notesSz cx="7559675" cy="10691813"/>
@@ -262,6 +261,9 @@
     </a:lvl9pPr>
   </p:defaultTextStyle>
   <p:extLst>
+    <p:ext uri="{EFAFB233-063F-42B5-8137-9DF3F51BA10A}">
+      <p15:sldGuideLst xmlns:p15="http://schemas.microsoft.com/office/powerpoint/2012/main"/>
+    </p:ext>
     <p:ext uri="http://customooxmlschemas.google.com/">
       <go:slidesCustomData xmlns:go="http://customooxmlschemas.google.com/" xmlns:p15="http://schemas.microsoft.com/office/powerpoint/2012/main" xmlns:p14="http://schemas.microsoft.com/office/powerpoint/2010/main" xmlns:com="http://schemas.openxmlformats.org/drawingml/2006/compatibility" xmlns:pvml="urn:schemas-microsoft-com:office:powerpoint" xmlns:v="urn:schemas-microsoft-com:vml" xmlns:o="urn:schemas-microsoft-com:office:office" xmlns:dgm="http://schemas.openxmlformats.org/drawingml/2006/diagram" xmlns:c="http://schemas.openxmlformats.org/drawingml/2006/chart" xmlns:mv="urn:schemas-microsoft-com:mac:vml" xmlns:mc="http://schemas.openxmlformats.org/markup-compatibility/2006" xmlns="" r:id="rId24" roundtripDataSignature="AMtx7miPSI7Nff/7D85TAWsmk5gYDdci3g=="/>
     </p:ext>
@@ -2601,133 +2603,6 @@
   <p:cSld>
     <p:spTree>
       <p:nvGrpSpPr>
-        <p:cNvPr id="1" name="Shape 233"/>
-        <p:cNvGrpSpPr/>
-        <p:nvPr/>
-      </p:nvGrpSpPr>
-      <p:grpSpPr>
-        <a:xfrm>
-          <a:off x="0" y="0"/>
-          <a:ext cx="0" cy="0"/>
-          <a:chOff x="0" y="0"/>
-          <a:chExt cx="0" cy="0"/>
-        </a:xfrm>
-      </p:grpSpPr>
-      <p:sp>
-        <p:nvSpPr>
-          <p:cNvPr id="234" name="Google Shape;234;p3:notes"/>
-          <p:cNvSpPr txBox="1">
-            <a:spLocks noGrp="1"/>
-          </p:cNvSpPr>
-          <p:nvPr>
-            <p:ph type="body" idx="1"/>
-          </p:nvPr>
-        </p:nvSpPr>
-        <p:spPr>
-          <a:xfrm>
-            <a:off x="755650" y="5145088"/>
-            <a:ext cx="6048375" cy="4210050"/>
-          </a:xfrm>
-          <a:prstGeom prst="rect">
-            <a:avLst/>
-          </a:prstGeom>
-          <a:noFill/>
-          <a:ln>
-            <a:noFill/>
-          </a:ln>
-        </p:spPr>
-        <p:txBody>
-          <a:bodyPr spcFirstLastPara="1" wrap="square" lIns="91425" tIns="45700" rIns="91425" bIns="45700" anchor="t" anchorCtr="0">
-            <a:noAutofit/>
-          </a:bodyPr>
-          <a:lstStyle/>
-          <a:p>
-            <a:pPr marL="0" lvl="0" indent="0" algn="l" rtl="0">
-              <a:lnSpc>
-                <a:spcPct val="100000"/>
-              </a:lnSpc>
-              <a:spcBef>
-                <a:spcPts val="0"/>
-              </a:spcBef>
-              <a:spcAft>
-                <a:spcPts val="0"/>
-              </a:spcAft>
-              <a:buSzPts val="1400"/>
-              <a:buNone/>
-            </a:pPr>
-            <a:endParaRPr/>
-          </a:p>
-        </p:txBody>
-      </p:sp>
-      <p:sp>
-        <p:nvSpPr>
-          <p:cNvPr id="235" name="Google Shape;235;p3:notes"/>
-          <p:cNvSpPr>
-            <a:spLocks noGrp="1" noRot="1" noChangeAspect="1"/>
-          </p:cNvSpPr>
-          <p:nvPr>
-            <p:ph type="sldImg" idx="2"/>
-          </p:nvPr>
-        </p:nvSpPr>
-        <p:spPr>
-          <a:xfrm>
-            <a:off x="1374775" y="1336675"/>
-            <a:ext cx="4810125" cy="3608388"/>
-          </a:xfrm>
-          <a:custGeom>
-            <a:avLst/>
-            <a:gdLst/>
-            <a:ahLst/>
-            <a:cxnLst/>
-            <a:rect l="l" t="t" r="r" b="b"/>
-            <a:pathLst>
-              <a:path w="120000" h="120000" extrusionOk="0">
-                <a:moveTo>
-                  <a:pt x="0" y="0"/>
-                </a:moveTo>
-                <a:lnTo>
-                  <a:pt x="120000" y="0"/>
-                </a:lnTo>
-                <a:lnTo>
-                  <a:pt x="120000" y="120000"/>
-                </a:lnTo>
-                <a:lnTo>
-                  <a:pt x="0" y="120000"/>
-                </a:lnTo>
-                <a:close/>
-              </a:path>
-            </a:pathLst>
-          </a:custGeom>
-          <a:noFill/>
-          <a:ln w="12700" cap="flat" cmpd="sng">
-            <a:solidFill>
-              <a:srgbClr val="000000"/>
-            </a:solidFill>
-            <a:prstDash val="solid"/>
-            <a:round/>
-            <a:headEnd type="none" w="sm" len="sm"/>
-            <a:tailEnd type="none" w="sm" len="sm"/>
-          </a:ln>
-        </p:spPr>
-      </p:sp>
-    </p:spTree>
-    <p:extLst>
-      <p:ext uri="{BB962C8B-B14F-4D97-AF65-F5344CB8AC3E}">
-        <p14:creationId xmlns:p14="http://schemas.microsoft.com/office/powerpoint/2010/main" val="3526210001"/>
-      </p:ext>
-    </p:extLst>
-  </p:cSld>
-  <p:clrMapOvr>
-    <a:masterClrMapping/>
-  </p:clrMapOvr>
-</p:notes>
-</file>
-
-<file path=ppt/notesSlides/notesSlide17.xml><?xml version="1.0" encoding="utf-8"?>
-<p:notes xmlns:a="http://schemas.openxmlformats.org/drawingml/2006/main" xmlns:r="http://schemas.openxmlformats.org/officeDocument/2006/relationships" xmlns:p="http://schemas.openxmlformats.org/presentationml/2006/main" showMasterSp="0" showMasterPhAnim="0">
-  <p:cSld>
-    <p:spTree>
-      <p:nvGrpSpPr>
         <p:cNvPr id="1" name="Shape 286"/>
         <p:cNvGrpSpPr/>
         <p:nvPr/>
@@ -2845,7 +2720,7 @@
 </p:notes>
 </file>
 
-<file path=ppt/notesSlides/notesSlide18.xml><?xml version="1.0" encoding="utf-8"?>
+<file path=ppt/notesSlides/notesSlide17.xml><?xml version="1.0" encoding="utf-8"?>
 <p:notes xmlns:a="http://schemas.openxmlformats.org/drawingml/2006/main" xmlns:r="http://schemas.openxmlformats.org/officeDocument/2006/relationships" xmlns:p="http://schemas.openxmlformats.org/presentationml/2006/main" showMasterSp="0" showMasterPhAnim="0">
   <p:cSld>
     <p:spTree>
@@ -3003,7 +2878,7 @@
             </a:pPr>
             <a:fld id="{00000000-1234-1234-1234-123412341234}" type="slidenum">
               <a:rPr lang="ru-RU"/>
-              <a:t>18</a:t>
+              <a:t>17</a:t>
             </a:fld>
             <a:endParaRPr/>
           </a:p>
@@ -3017,7 +2892,7 @@
 </p:notes>
 </file>
 
-<file path=ppt/notesSlides/notesSlide19.xml><?xml version="1.0" encoding="utf-8"?>
+<file path=ppt/notesSlides/notesSlide18.xml><?xml version="1.0" encoding="utf-8"?>
 <p:notes xmlns:a="http://schemas.openxmlformats.org/drawingml/2006/main" xmlns:r="http://schemas.openxmlformats.org/officeDocument/2006/relationships" xmlns:p="http://schemas.openxmlformats.org/presentationml/2006/main" showMasterSp="0" showMasterPhAnim="0">
   <p:cSld>
     <p:spTree>
@@ -3175,7 +3050,7 @@
             </a:pPr>
             <a:fld id="{00000000-1234-1234-1234-123412341234}" type="slidenum">
               <a:rPr lang="ru-RU"/>
-              <a:t>19</a:t>
+              <a:t>18</a:t>
             </a:fld>
             <a:endParaRPr/>
           </a:p>
@@ -32936,557 +32811,6 @@
     <p:bg>
       <p:bgPr>
         <a:solidFill>
-          <a:srgbClr val="FFFFFF"/>
-        </a:solidFill>
-        <a:effectLst/>
-      </p:bgPr>
-    </p:bg>
-    <p:spTree>
-      <p:nvGrpSpPr>
-        <p:cNvPr id="1" name="Shape 236"/>
-        <p:cNvGrpSpPr/>
-        <p:nvPr/>
-      </p:nvGrpSpPr>
-      <p:grpSpPr>
-        <a:xfrm>
-          <a:off x="0" y="0"/>
-          <a:ext cx="0" cy="0"/>
-          <a:chOff x="0" y="0"/>
-          <a:chExt cx="0" cy="0"/>
-        </a:xfrm>
-      </p:grpSpPr>
-      <p:pic>
-        <p:nvPicPr>
-          <p:cNvPr id="237" name="Google Shape;237;p3"/>
-          <p:cNvPicPr preferRelativeResize="0"/>
-          <p:nvPr/>
-        </p:nvPicPr>
-        <p:blipFill rotWithShape="1">
-          <a:blip r:embed="rId3">
-            <a:alphaModFix/>
-          </a:blip>
-          <a:srcRect/>
-          <a:stretch/>
-        </p:blipFill>
-        <p:spPr>
-          <a:xfrm>
-            <a:off x="736920" y="422280"/>
-            <a:ext cx="1690200" cy="296640"/>
-          </a:xfrm>
-          <a:prstGeom prst="rect">
-            <a:avLst/>
-          </a:prstGeom>
-          <a:noFill/>
-          <a:ln>
-            <a:noFill/>
-          </a:ln>
-        </p:spPr>
-      </p:pic>
-      <p:sp>
-        <p:nvSpPr>
-          <p:cNvPr id="238" name="Google Shape;238;p3"/>
-          <p:cNvSpPr/>
-          <p:nvPr/>
-        </p:nvSpPr>
-        <p:spPr>
-          <a:xfrm>
-            <a:off x="8486610" y="413617"/>
-            <a:ext cx="560580" cy="276120"/>
-          </a:xfrm>
-          <a:prstGeom prst="rect">
-            <a:avLst/>
-          </a:prstGeom>
-          <a:noFill/>
-          <a:ln>
-            <a:noFill/>
-          </a:ln>
-        </p:spPr>
-        <p:txBody>
-          <a:bodyPr spcFirstLastPara="1" wrap="square" lIns="90000" tIns="45000" rIns="90000" bIns="45000" anchor="t" anchorCtr="0">
-            <a:noAutofit/>
-          </a:bodyPr>
-          <a:lstStyle/>
-          <a:p>
-            <a:pPr marL="0" marR="0" lvl="0" indent="0" algn="l" rtl="0">
-              <a:lnSpc>
-                <a:spcPct val="100000"/>
-              </a:lnSpc>
-              <a:spcBef>
-                <a:spcPts val="0"/>
-              </a:spcBef>
-              <a:spcAft>
-                <a:spcPts val="0"/>
-              </a:spcAft>
-              <a:buClr>
-                <a:srgbClr val="000000"/>
-              </a:buClr>
-              <a:buSzPts val="1200"/>
-              <a:buFont typeface="Arial"/>
-              <a:buNone/>
-            </a:pPr>
-            <a:r>
-              <a:rPr lang="en-US" sz="1200" dirty="0" smtClean="0">
-                <a:solidFill>
-                  <a:schemeClr val="dk1"/>
-                </a:solidFill>
-              </a:rPr>
-              <a:t>1</a:t>
-            </a:r>
-            <a:r>
-              <a:rPr lang="ru-RU" sz="1200" dirty="0" smtClean="0">
-                <a:solidFill>
-                  <a:schemeClr val="dk1"/>
-                </a:solidFill>
-              </a:rPr>
-              <a:t>6</a:t>
-            </a:r>
-            <a:endParaRPr sz="1200" b="0" i="0" u="none" strike="noStrike" cap="none" dirty="0">
-              <a:solidFill>
-                <a:schemeClr val="dk1"/>
-              </a:solidFill>
-              <a:latin typeface="Arial"/>
-              <a:ea typeface="Arial"/>
-              <a:cs typeface="Arial"/>
-              <a:sym typeface="Arial"/>
-            </a:endParaRPr>
-          </a:p>
-        </p:txBody>
-      </p:sp>
-      <p:sp>
-        <p:nvSpPr>
-          <p:cNvPr id="239" name="Google Shape;239;p3"/>
-          <p:cNvSpPr/>
-          <p:nvPr/>
-        </p:nvSpPr>
-        <p:spPr>
-          <a:xfrm>
-            <a:off x="690125" y="1153800"/>
-            <a:ext cx="7553100" cy="627600"/>
-          </a:xfrm>
-          <a:prstGeom prst="rect">
-            <a:avLst/>
-          </a:prstGeom>
-          <a:noFill/>
-          <a:ln>
-            <a:noFill/>
-          </a:ln>
-        </p:spPr>
-        <p:txBody>
-          <a:bodyPr spcFirstLastPara="1" wrap="square" lIns="90000" tIns="45000" rIns="90000" bIns="45000" anchor="t" anchorCtr="0">
-            <a:noAutofit/>
-          </a:bodyPr>
-          <a:lstStyle/>
-          <a:p>
-            <a:pPr marL="0" marR="0" lvl="0" indent="0" algn="l" rtl="0">
-              <a:lnSpc>
-                <a:spcPct val="100000"/>
-              </a:lnSpc>
-              <a:spcBef>
-                <a:spcPts val="0"/>
-              </a:spcBef>
-              <a:spcAft>
-                <a:spcPts val="0"/>
-              </a:spcAft>
-              <a:buClr>
-                <a:srgbClr val="000000"/>
-              </a:buClr>
-              <a:buSzPts val="2000"/>
-              <a:buFont typeface="Arial"/>
-              <a:buNone/>
-            </a:pPr>
-            <a:r>
-              <a:rPr lang="ru-RU" sz="2000" b="1" i="0" u="none" strike="noStrike" cap="none" dirty="0">
-                <a:solidFill>
-                  <a:srgbClr val="000000"/>
-                </a:solidFill>
-                <a:latin typeface="Calibri"/>
-                <a:ea typeface="Calibri"/>
-                <a:cs typeface="Calibri"/>
-                <a:sym typeface="Calibri"/>
-              </a:rPr>
-              <a:t>Тема: </a:t>
-            </a:r>
-            <a:r>
-              <a:rPr lang="ru-RU" sz="2000" b="1" dirty="0">
-                <a:latin typeface="Calibri"/>
-                <a:ea typeface="Calibri"/>
-                <a:cs typeface="Calibri"/>
-                <a:sym typeface="Calibri"/>
-              </a:rPr>
-              <a:t>Рекурсия</a:t>
-            </a:r>
-            <a:endParaRPr sz="1800" b="0" i="0" u="none" strike="noStrike" cap="none" dirty="0">
-              <a:solidFill>
-                <a:schemeClr val="dk1"/>
-              </a:solidFill>
-              <a:latin typeface="Arial"/>
-              <a:ea typeface="Arial"/>
-              <a:cs typeface="Arial"/>
-              <a:sym typeface="Arial"/>
-            </a:endParaRPr>
-          </a:p>
-          <a:p>
-            <a:pPr marL="0" marR="0" lvl="0" indent="0" algn="l" rtl="0">
-              <a:lnSpc>
-                <a:spcPct val="100000"/>
-              </a:lnSpc>
-              <a:spcBef>
-                <a:spcPts val="0"/>
-              </a:spcBef>
-              <a:spcAft>
-                <a:spcPts val="0"/>
-              </a:spcAft>
-              <a:buClr>
-                <a:srgbClr val="000000"/>
-              </a:buClr>
-              <a:buSzPts val="2000"/>
-              <a:buFont typeface="Arial"/>
-              <a:buNone/>
-            </a:pPr>
-            <a:r>
-              <a:rPr lang="ru-RU" sz="2000" b="0" i="0" u="none" strike="noStrike" cap="none" dirty="0">
-                <a:solidFill>
-                  <a:srgbClr val="000000"/>
-                </a:solidFill>
-                <a:latin typeface="Calibri"/>
-                <a:ea typeface="Calibri"/>
-                <a:cs typeface="Calibri"/>
-                <a:sym typeface="Calibri"/>
-              </a:rPr>
-              <a:t> </a:t>
-            </a:r>
-            <a:endParaRPr sz="2000" b="0" i="0" u="none" strike="noStrike" cap="none" dirty="0">
-              <a:solidFill>
-                <a:schemeClr val="dk1"/>
-              </a:solidFill>
-              <a:latin typeface="Arial"/>
-              <a:ea typeface="Arial"/>
-              <a:cs typeface="Arial"/>
-              <a:sym typeface="Arial"/>
-            </a:endParaRPr>
-          </a:p>
-        </p:txBody>
-      </p:sp>
-      <p:pic>
-        <p:nvPicPr>
-          <p:cNvPr id="241" name="Google Shape;241;p3"/>
-          <p:cNvPicPr preferRelativeResize="0"/>
-          <p:nvPr/>
-        </p:nvPicPr>
-        <p:blipFill rotWithShape="1">
-          <a:blip r:embed="rId4">
-            <a:alphaModFix/>
-          </a:blip>
-          <a:srcRect/>
-          <a:stretch/>
-        </p:blipFill>
-        <p:spPr>
-          <a:xfrm>
-            <a:off x="8839440" y="447120"/>
-            <a:ext cx="309240" cy="257760"/>
-          </a:xfrm>
-          <a:prstGeom prst="rect">
-            <a:avLst/>
-          </a:prstGeom>
-          <a:noFill/>
-          <a:ln>
-            <a:noFill/>
-          </a:ln>
-        </p:spPr>
-      </p:pic>
-      <p:pic>
-        <p:nvPicPr>
-          <p:cNvPr id="242" name="Google Shape;242;p3"/>
-          <p:cNvPicPr preferRelativeResize="0"/>
-          <p:nvPr/>
-        </p:nvPicPr>
-        <p:blipFill rotWithShape="1">
-          <a:blip r:embed="rId5">
-            <a:alphaModFix/>
-          </a:blip>
-          <a:srcRect/>
-          <a:stretch/>
-        </p:blipFill>
-        <p:spPr>
-          <a:xfrm>
-            <a:off x="3600" y="998640"/>
-            <a:ext cx="640080" cy="699120"/>
-          </a:xfrm>
-          <a:prstGeom prst="rect">
-            <a:avLst/>
-          </a:prstGeom>
-          <a:noFill/>
-          <a:ln>
-            <a:noFill/>
-          </a:ln>
-        </p:spPr>
-      </p:pic>
-      <p:pic>
-        <p:nvPicPr>
-          <p:cNvPr id="243" name="Google Shape;243;p3"/>
-          <p:cNvPicPr preferRelativeResize="0"/>
-          <p:nvPr/>
-        </p:nvPicPr>
-        <p:blipFill rotWithShape="1">
-          <a:blip r:embed="rId4">
-            <a:alphaModFix/>
-          </a:blip>
-          <a:srcRect/>
-          <a:stretch/>
-        </p:blipFill>
-        <p:spPr>
-          <a:xfrm>
-            <a:off x="8198640" y="437400"/>
-            <a:ext cx="309240" cy="257760"/>
-          </a:xfrm>
-          <a:prstGeom prst="rect">
-            <a:avLst/>
-          </a:prstGeom>
-          <a:noFill/>
-          <a:ln>
-            <a:noFill/>
-          </a:ln>
-        </p:spPr>
-      </p:pic>
-      <p:sp>
-        <p:nvSpPr>
-          <p:cNvPr id="244" name="Google Shape;244;p3"/>
-          <p:cNvSpPr/>
-          <p:nvPr/>
-        </p:nvSpPr>
-        <p:spPr>
-          <a:xfrm>
-            <a:off x="7701840" y="6388200"/>
-            <a:ext cx="900360" cy="243360"/>
-          </a:xfrm>
-          <a:prstGeom prst="rect">
-            <a:avLst/>
-          </a:prstGeom>
-          <a:noFill/>
-          <a:ln>
-            <a:noFill/>
-          </a:ln>
-        </p:spPr>
-        <p:txBody>
-          <a:bodyPr spcFirstLastPara="1" wrap="square" lIns="90000" tIns="45000" rIns="90000" bIns="45000" anchor="ctr" anchorCtr="0">
-            <a:noAutofit/>
-          </a:bodyPr>
-          <a:lstStyle/>
-          <a:p>
-            <a:pPr marL="0" marR="0" lvl="0" indent="0" algn="r" rtl="0">
-              <a:lnSpc>
-                <a:spcPct val="100000"/>
-              </a:lnSpc>
-              <a:spcBef>
-                <a:spcPts val="0"/>
-              </a:spcBef>
-              <a:spcAft>
-                <a:spcPts val="0"/>
-              </a:spcAft>
-              <a:buClr>
-                <a:srgbClr val="000000"/>
-              </a:buClr>
-              <a:buSzPts val="1000"/>
-              <a:buFont typeface="Arial"/>
-              <a:buNone/>
-            </a:pPr>
-            <a:r>
-              <a:rPr lang="ru-RU" sz="1000" b="1" i="0" u="none" strike="noStrike" cap="none">
-                <a:solidFill>
-                  <a:srgbClr val="000000"/>
-                </a:solidFill>
-                <a:latin typeface="Calibri"/>
-                <a:ea typeface="Calibri"/>
-                <a:cs typeface="Calibri"/>
-                <a:sym typeface="Calibri"/>
-              </a:rPr>
-              <a:t> inginirium.ru</a:t>
-            </a:r>
-            <a:endParaRPr sz="1000" b="0" i="0" u="none" strike="noStrike" cap="none">
-              <a:solidFill>
-                <a:schemeClr val="dk1"/>
-              </a:solidFill>
-              <a:latin typeface="Arial"/>
-              <a:ea typeface="Arial"/>
-              <a:cs typeface="Arial"/>
-              <a:sym typeface="Arial"/>
-            </a:endParaRPr>
-          </a:p>
-        </p:txBody>
-      </p:sp>
-      <p:pic>
-        <p:nvPicPr>
-          <p:cNvPr id="245" name="Google Shape;245;p3"/>
-          <p:cNvPicPr preferRelativeResize="0"/>
-          <p:nvPr/>
-        </p:nvPicPr>
-        <p:blipFill rotWithShape="1">
-          <a:blip r:embed="rId6">
-            <a:alphaModFix/>
-          </a:blip>
-          <a:srcRect/>
-          <a:stretch/>
-        </p:blipFill>
-        <p:spPr>
-          <a:xfrm>
-            <a:off x="7833600" y="6606360"/>
-            <a:ext cx="672480" cy="23400"/>
-          </a:xfrm>
-          <a:prstGeom prst="rect">
-            <a:avLst/>
-          </a:prstGeom>
-          <a:noFill/>
-          <a:ln>
-            <a:noFill/>
-          </a:ln>
-        </p:spPr>
-      </p:pic>
-      <p:pic>
-        <p:nvPicPr>
-          <p:cNvPr id="246" name="Google Shape;246;p3"/>
-          <p:cNvPicPr preferRelativeResize="0"/>
-          <p:nvPr/>
-        </p:nvPicPr>
-        <p:blipFill rotWithShape="1">
-          <a:blip r:embed="rId7">
-            <a:alphaModFix/>
-          </a:blip>
-          <a:srcRect/>
-          <a:stretch/>
-        </p:blipFill>
-        <p:spPr>
-          <a:xfrm>
-            <a:off x="8653320" y="6401880"/>
-            <a:ext cx="227160" cy="215280"/>
-          </a:xfrm>
-          <a:prstGeom prst="rect">
-            <a:avLst/>
-          </a:prstGeom>
-          <a:noFill/>
-          <a:ln>
-            <a:noFill/>
-          </a:ln>
-        </p:spPr>
-      </p:pic>
-      <p:sp>
-        <p:nvSpPr>
-          <p:cNvPr id="248" name="Google Shape;248;p3"/>
-          <p:cNvSpPr/>
-          <p:nvPr/>
-        </p:nvSpPr>
-        <p:spPr>
-          <a:xfrm>
-            <a:off x="4411800" y="447130"/>
-            <a:ext cx="3818100" cy="364200"/>
-          </a:xfrm>
-          <a:prstGeom prst="rect">
-            <a:avLst/>
-          </a:prstGeom>
-          <a:noFill/>
-          <a:ln>
-            <a:noFill/>
-          </a:ln>
-        </p:spPr>
-        <p:txBody>
-          <a:bodyPr spcFirstLastPara="1" wrap="square" lIns="90000" tIns="45000" rIns="90000" bIns="45000" anchor="t" anchorCtr="0">
-            <a:noAutofit/>
-          </a:bodyPr>
-          <a:lstStyle/>
-          <a:p>
-            <a:pPr marL="0" marR="0" lvl="0" indent="0" algn="r" rtl="0">
-              <a:lnSpc>
-                <a:spcPct val="100000"/>
-              </a:lnSpc>
-              <a:spcBef>
-                <a:spcPts val="0"/>
-              </a:spcBef>
-              <a:spcAft>
-                <a:spcPts val="0"/>
-              </a:spcAft>
-              <a:buClr>
-                <a:srgbClr val="000000"/>
-              </a:buClr>
-              <a:buSzPts val="900"/>
-              <a:buFont typeface="Arial"/>
-              <a:buNone/>
-            </a:pPr>
-            <a:r>
-              <a:rPr lang="ru-RU" sz="900" b="1">
-                <a:latin typeface="Calibri"/>
-                <a:ea typeface="Calibri"/>
-                <a:cs typeface="Calibri"/>
-                <a:sym typeface="Calibri"/>
-              </a:rPr>
-              <a:t>РЕКУРСИЯ.</a:t>
-            </a:r>
-            <a:endParaRPr sz="900" b="1" i="0" u="none" strike="noStrike" cap="none">
-              <a:solidFill>
-                <a:srgbClr val="000000"/>
-              </a:solidFill>
-              <a:latin typeface="Calibri"/>
-              <a:ea typeface="Calibri"/>
-              <a:cs typeface="Calibri"/>
-              <a:sym typeface="Calibri"/>
-            </a:endParaRPr>
-          </a:p>
-        </p:txBody>
-      </p:sp>
-      <p:pic>
-        <p:nvPicPr>
-          <p:cNvPr id="2" name="Рисунок 1"/>
-          <p:cNvPicPr>
-            <a:picLocks noChangeAspect="1"/>
-          </p:cNvPicPr>
-          <p:nvPr/>
-        </p:nvPicPr>
-        <p:blipFill>
-          <a:blip r:embed="rId8">
-            <a:extLst>
-              <a:ext uri="{28A0092B-C50C-407E-A947-70E740481C1C}">
-                <a14:useLocalDpi xmlns:a14="http://schemas.microsoft.com/office/drawing/2010/main" val="0"/>
-              </a:ext>
-            </a:extLst>
-          </a:blip>
-          <a:stretch>
-            <a:fillRect/>
-          </a:stretch>
-        </p:blipFill>
-        <p:spPr>
-          <a:xfrm>
-            <a:off x="877228" y="2123870"/>
-            <a:ext cx="7476032" cy="3588893"/>
-          </a:xfrm>
-          <a:prstGeom prst="rect">
-            <a:avLst/>
-          </a:prstGeom>
-        </p:spPr>
-      </p:pic>
-    </p:spTree>
-    <p:extLst>
-      <p:ext uri="{BB962C8B-B14F-4D97-AF65-F5344CB8AC3E}">
-        <p14:creationId xmlns:p14="http://schemas.microsoft.com/office/powerpoint/2010/main" val="1937690671"/>
-      </p:ext>
-    </p:extLst>
-  </p:cSld>
-  <p:clrMapOvr>
-    <a:masterClrMapping/>
-  </p:clrMapOvr>
-  <p:timing>
-    <p:tnLst>
-      <p:par>
-        <p:cTn id="1" dur="indefinite" restart="never" nodeType="tmRoot"/>
-      </p:par>
-    </p:tnLst>
-  </p:timing>
-</p:sld>
-</file>
-
-<file path=ppt/slides/slide17.xml><?xml version="1.0" encoding="utf-8"?>
-<p:sld xmlns:a="http://schemas.openxmlformats.org/drawingml/2006/main" xmlns:r="http://schemas.openxmlformats.org/officeDocument/2006/relationships" xmlns:p="http://schemas.openxmlformats.org/presentationml/2006/main">
-  <p:cSld>
-    <p:bg>
-      <p:bgPr>
-        <a:solidFill>
           <a:srgbClr val="FEE500"/>
         </a:solidFill>
         <a:effectLst/>
@@ -33887,7 +33211,7 @@
 </p:sld>
 </file>
 
-<file path=ppt/slides/slide18.xml><?xml version="1.0" encoding="utf-8"?>
+<file path=ppt/slides/slide17.xml><?xml version="1.0" encoding="utf-8"?>
 <p:sld xmlns:a="http://schemas.openxmlformats.org/drawingml/2006/main" xmlns:r="http://schemas.openxmlformats.org/officeDocument/2006/relationships" xmlns:p="http://schemas.openxmlformats.org/presentationml/2006/main">
   <p:cSld>
     <p:bg>
@@ -34392,19 +33716,7 @@
                 <a:cs typeface="Calibri"/>
                 <a:sym typeface="Calibri"/>
               </a:rPr>
-              <a:t>Написать программу для подсчёта ф</a:t>
-            </a:r>
-            <a:r>
-              <a:rPr lang="ru-RU" sz="1800" dirty="0" smtClean="0">
-                <a:solidFill>
-                  <a:schemeClr val="dk1"/>
-                </a:solidFill>
-                <a:latin typeface="Calibri"/>
-                <a:ea typeface="Calibri"/>
-                <a:cs typeface="Calibri"/>
-                <a:sym typeface="Calibri"/>
-              </a:rPr>
-              <a:t>акториала числа </a:t>
+              <a:t>Написать программу для подсчёта факториала числа </a:t>
             </a:r>
           </a:p>
           <a:p>
@@ -35003,7 +34315,7 @@
 </p:sld>
 </file>
 
-<file path=ppt/slides/slide19.xml><?xml version="1.0" encoding="utf-8"?>
+<file path=ppt/slides/slide18.xml><?xml version="1.0" encoding="utf-8"?>
 <p:sld xmlns:a="http://schemas.openxmlformats.org/drawingml/2006/main" xmlns:r="http://schemas.openxmlformats.org/officeDocument/2006/relationships" xmlns:p="http://schemas.openxmlformats.org/presentationml/2006/main">
   <p:cSld>
     <p:bg>
@@ -37096,7 +36408,7 @@
               <a:buNone/>
             </a:pPr>
             <a:r>
-              <a:rPr lang="ru-RU" sz="2600" b="1" i="0" u="none" strike="noStrike" cap="none">
+              <a:rPr lang="ru-RU" sz="2600" b="1" i="0" u="none" strike="noStrike" cap="none" dirty="0">
                 <a:solidFill>
                   <a:srgbClr val="000000"/>
                 </a:solidFill>
@@ -37108,7 +36420,7 @@
               <a:t>ОРГАНИЗАЦИОННАЯ ИНФОРМАЦИЯ</a:t>
             </a:r>
             <a:r>
-              <a:rPr lang="ru-RU" sz="2600" b="0" i="0" u="none" strike="noStrike" cap="none">
+              <a:rPr lang="ru-RU" sz="2600" b="0" i="0" u="none" strike="noStrike" cap="none" dirty="0">
                 <a:solidFill>
                   <a:srgbClr val="000000"/>
                 </a:solidFill>
@@ -37119,7 +36431,7 @@
               </a:rPr>
               <a:t> </a:t>
             </a:r>
-            <a:endParaRPr sz="2600" b="0" i="0" u="none" strike="noStrike" cap="none">
+            <a:endParaRPr sz="2600" b="0" i="0" u="none" strike="noStrike" cap="none" dirty="0">
               <a:solidFill>
                 <a:schemeClr val="dk1"/>
               </a:solidFill>
@@ -37375,7 +36687,7 @@
               <a:buNone/>
             </a:pPr>
             <a:r>
-              <a:rPr lang="ru-RU" sz="1800" b="1" i="0" u="none" strike="noStrike" cap="none">
+              <a:rPr lang="ru-RU" sz="1800" b="1" i="0" u="none" strike="noStrike" cap="none" dirty="0">
                 <a:solidFill>
                   <a:srgbClr val="000000"/>
                 </a:solidFill>
@@ -37384,9 +36696,21 @@
                 <a:cs typeface="Calibri"/>
                 <a:sym typeface="Calibri"/>
               </a:rPr>
-              <a:t>Тема: Статическая и динамическая память</a:t>
+              <a:t>Тема: </a:t>
             </a:r>
-            <a:endParaRPr sz="1800" b="0" i="0" u="none" strike="noStrike" cap="none">
+            <a:r>
+              <a:rPr lang="ru-RU" sz="1800" b="1" i="0" u="none" strike="noStrike" cap="none" dirty="0" smtClean="0">
+                <a:solidFill>
+                  <a:srgbClr val="000000"/>
+                </a:solidFill>
+                <a:latin typeface="Calibri"/>
+                <a:ea typeface="Calibri"/>
+                <a:cs typeface="Calibri"/>
+                <a:sym typeface="Calibri"/>
+              </a:rPr>
+              <a:t>Рекурсия</a:t>
+            </a:r>
+            <a:endParaRPr sz="1800" b="0" i="0" u="none" strike="noStrike" cap="none" dirty="0">
               <a:solidFill>
                 <a:schemeClr val="dk1"/>
               </a:solidFill>
@@ -37414,7 +36738,7 @@
               <a:buFont typeface="Arial"/>
               <a:buNone/>
             </a:pPr>
-            <a:endParaRPr sz="1800" b="0" i="0" u="none" strike="noStrike" cap="none">
+            <a:endParaRPr sz="1800" b="0" i="0" u="none" strike="noStrike" cap="none" dirty="0">
               <a:solidFill>
                 <a:schemeClr val="dk1"/>
               </a:solidFill>
@@ -37443,7 +36767,7 @@
               <a:buNone/>
             </a:pPr>
             <a:r>
-              <a:rPr lang="ru-RU" sz="1600" b="1" i="0" u="none" strike="noStrike" cap="none">
+              <a:rPr lang="ru-RU" sz="1600" b="1" i="0" u="none" strike="noStrike" cap="none" dirty="0">
                 <a:solidFill>
                   <a:srgbClr val="000000"/>
                 </a:solidFill>
@@ -37454,7 +36778,7 @@
               </a:rPr>
               <a:t>Цели и задачи:</a:t>
             </a:r>
-            <a:endParaRPr sz="1600" b="0" i="0" u="none" strike="noStrike" cap="none">
+            <a:endParaRPr sz="1600" b="0" i="0" u="none" strike="noStrike" cap="none" dirty="0">
               <a:solidFill>
                 <a:schemeClr val="dk1"/>
               </a:solidFill>
@@ -37482,7 +36806,7 @@
               <a:buFont typeface="Arial"/>
               <a:buNone/>
             </a:pPr>
-            <a:endParaRPr sz="1400" b="0" i="0" u="none" strike="noStrike" cap="none">
+            <a:endParaRPr sz="1400" b="0" i="0" u="none" strike="noStrike" cap="none" dirty="0">
               <a:solidFill>
                 <a:schemeClr val="dk1"/>
               </a:solidFill>
@@ -37511,7 +36835,7 @@
               <a:buChar char="●"/>
             </a:pPr>
             <a:r>
-              <a:rPr lang="ru-RU" sz="1400" b="0" i="0" u="none" strike="noStrike" cap="none">
+              <a:rPr lang="ru-RU" sz="1400" b="0" i="0" u="none" strike="noStrike" cap="none" dirty="0">
                 <a:solidFill>
                   <a:srgbClr val="000000"/>
                 </a:solidFill>
@@ -37523,7 +36847,7 @@
               <a:t>Научиться работать с </a:t>
             </a:r>
             <a:r>
-              <a:rPr lang="ru-RU">
+              <a:rPr lang="ru-RU" dirty="0">
                 <a:latin typeface="Calibri"/>
                 <a:ea typeface="Calibri"/>
                 <a:cs typeface="Calibri"/>
@@ -37531,7 +36855,7 @@
               </a:rPr>
               <a:t>рекурсией</a:t>
             </a:r>
-            <a:endParaRPr sz="1400" b="0" i="0" u="none" strike="noStrike" cap="none">
+            <a:endParaRPr sz="1400" b="0" i="0" u="none" strike="noStrike" cap="none" dirty="0">
               <a:solidFill>
                 <a:srgbClr val="000000"/>
               </a:solidFill>
@@ -37560,7 +36884,7 @@
               <a:buNone/>
             </a:pPr>
             <a:r>
-              <a:rPr lang="ru-RU" sz="1800" b="0" i="0" u="none" strike="noStrike" cap="none">
+              <a:rPr lang="ru-RU" sz="1800" b="0" i="0" u="none" strike="noStrike" cap="none" dirty="0">
                 <a:solidFill>
                   <a:schemeClr val="dk1"/>
                 </a:solidFill>
@@ -37572,7 +36896,7 @@
               <a:t/>
             </a:r>
             <a:br>
-              <a:rPr lang="ru-RU" sz="1800" b="0" i="0" u="none" strike="noStrike" cap="none">
+              <a:rPr lang="ru-RU" sz="1800" b="0" i="0" u="none" strike="noStrike" cap="none" dirty="0">
                 <a:solidFill>
                   <a:schemeClr val="dk1"/>
                 </a:solidFill>
@@ -37583,7 +36907,7 @@
               </a:rPr>
             </a:br>
             <a:r>
-              <a:rPr lang="ru-RU" sz="1600" b="1" i="0" u="none" strike="noStrike" cap="none">
+              <a:rPr lang="ru-RU" sz="1600" b="1" i="0" u="none" strike="noStrike" cap="none" dirty="0">
                 <a:solidFill>
                   <a:srgbClr val="000000"/>
                 </a:solidFill>
@@ -37594,7 +36918,7 @@
               </a:rPr>
               <a:t>По результатам занятия слушатель будет знать: </a:t>
             </a:r>
-            <a:endParaRPr sz="1600" b="0" i="0" u="none" strike="noStrike" cap="none">
+            <a:endParaRPr sz="1600" b="0" i="0" u="none" strike="noStrike" cap="none" dirty="0">
               <a:solidFill>
                 <a:schemeClr val="dk1"/>
               </a:solidFill>
@@ -37622,7 +36946,7 @@
               <a:buFont typeface="Arial"/>
               <a:buNone/>
             </a:pPr>
-            <a:endParaRPr sz="1600" b="0" i="0" u="none" strike="noStrike" cap="none">
+            <a:endParaRPr sz="1600" b="0" i="0" u="none" strike="noStrike" cap="none" dirty="0">
               <a:solidFill>
                 <a:schemeClr val="dk1"/>
               </a:solidFill>
@@ -37651,7 +36975,7 @@
               <a:buChar char="•"/>
             </a:pPr>
             <a:r>
-              <a:rPr lang="ru-RU">
+              <a:rPr lang="ru-RU" dirty="0">
                 <a:latin typeface="Calibri"/>
                 <a:ea typeface="Calibri"/>
                 <a:cs typeface="Calibri"/>
@@ -37659,7 +36983,7 @@
               </a:rPr>
               <a:t>Что такое рекурсия и какие у неё преимущества</a:t>
             </a:r>
-            <a:endParaRPr>
+            <a:endParaRPr dirty="0">
               <a:latin typeface="Calibri"/>
               <a:ea typeface="Calibri"/>
               <a:cs typeface="Calibri"/>
